--- a/slides/01_slides.pptx
+++ b/slides/01_slides.pptx
@@ -6,14 +6,15 @@
   </p:sldMasterIdLst>
   <p:sldIdLst>
     <p:sldId id="264" r:id="rId2"/>
-    <p:sldId id="258" r:id="rId3"/>
-    <p:sldId id="259" r:id="rId4"/>
-    <p:sldId id="260" r:id="rId5"/>
-    <p:sldId id="261" r:id="rId6"/>
-    <p:sldId id="262" r:id="rId7"/>
-    <p:sldId id="263" r:id="rId8"/>
-    <p:sldId id="265" r:id="rId9"/>
-    <p:sldId id="266" r:id="rId10"/>
+    <p:sldId id="267" r:id="rId3"/>
+    <p:sldId id="258" r:id="rId4"/>
+    <p:sldId id="259" r:id="rId5"/>
+    <p:sldId id="260" r:id="rId6"/>
+    <p:sldId id="261" r:id="rId7"/>
+    <p:sldId id="262" r:id="rId8"/>
+    <p:sldId id="263" r:id="rId9"/>
+    <p:sldId id="265" r:id="rId10"/>
+    <p:sldId id="266" r:id="rId11"/>
   </p:sldIdLst>
   <p:sldSz cx="12192000" cy="6858000"/>
   <p:notesSz cx="6858000" cy="9144000"/>
@@ -267,7 +268,7 @@
           <a:p>
             <a:fld id="{69449AD0-FB2A-CD41-ADBD-7D5B8A2ACA45}" type="datetimeFigureOut">
               <a:rPr lang="en-US" smtClean="0"/>
-              <a:t>1/24/21</a:t>
+              <a:t>1/26/21</a:t>
             </a:fld>
             <a:endParaRPr lang="en-US"/>
           </a:p>
@@ -465,7 +466,7 @@
           <a:p>
             <a:fld id="{69449AD0-FB2A-CD41-ADBD-7D5B8A2ACA45}" type="datetimeFigureOut">
               <a:rPr lang="en-US" smtClean="0"/>
-              <a:t>1/24/21</a:t>
+              <a:t>1/26/21</a:t>
             </a:fld>
             <a:endParaRPr lang="en-US"/>
           </a:p>
@@ -673,7 +674,7 @@
           <a:p>
             <a:fld id="{69449AD0-FB2A-CD41-ADBD-7D5B8A2ACA45}" type="datetimeFigureOut">
               <a:rPr lang="en-US" smtClean="0"/>
-              <a:t>1/24/21</a:t>
+              <a:t>1/26/21</a:t>
             </a:fld>
             <a:endParaRPr lang="en-US"/>
           </a:p>
@@ -913,7 +914,7 @@
           <a:p>
             <a:fld id="{69449AD0-FB2A-CD41-ADBD-7D5B8A2ACA45}" type="datetimeFigureOut">
               <a:rPr lang="en-US" smtClean="0"/>
-              <a:t>1/24/21</a:t>
+              <a:t>1/26/21</a:t>
             </a:fld>
             <a:endParaRPr lang="en-US"/>
           </a:p>
@@ -1188,7 +1189,7 @@
           <a:p>
             <a:fld id="{69449AD0-FB2A-CD41-ADBD-7D5B8A2ACA45}" type="datetimeFigureOut">
               <a:rPr lang="en-US" smtClean="0"/>
-              <a:t>1/24/21</a:t>
+              <a:t>1/26/21</a:t>
             </a:fld>
             <a:endParaRPr lang="en-US"/>
           </a:p>
@@ -1453,7 +1454,7 @@
           <a:p>
             <a:fld id="{69449AD0-FB2A-CD41-ADBD-7D5B8A2ACA45}" type="datetimeFigureOut">
               <a:rPr lang="en-US" smtClean="0"/>
-              <a:t>1/24/21</a:t>
+              <a:t>1/26/21</a:t>
             </a:fld>
             <a:endParaRPr lang="en-US"/>
           </a:p>
@@ -1865,7 +1866,7 @@
           <a:p>
             <a:fld id="{69449AD0-FB2A-CD41-ADBD-7D5B8A2ACA45}" type="datetimeFigureOut">
               <a:rPr lang="en-US" smtClean="0"/>
-              <a:t>1/24/21</a:t>
+              <a:t>1/26/21</a:t>
             </a:fld>
             <a:endParaRPr lang="en-US"/>
           </a:p>
@@ -2006,7 +2007,7 @@
           <a:p>
             <a:fld id="{69449AD0-FB2A-CD41-ADBD-7D5B8A2ACA45}" type="datetimeFigureOut">
               <a:rPr lang="en-US" smtClean="0"/>
-              <a:t>1/24/21</a:t>
+              <a:t>1/26/21</a:t>
             </a:fld>
             <a:endParaRPr lang="en-US"/>
           </a:p>
@@ -2119,7 +2120,7 @@
           <a:p>
             <a:fld id="{69449AD0-FB2A-CD41-ADBD-7D5B8A2ACA45}" type="datetimeFigureOut">
               <a:rPr lang="en-US" smtClean="0"/>
-              <a:t>1/24/21</a:t>
+              <a:t>1/26/21</a:t>
             </a:fld>
             <a:endParaRPr lang="en-US"/>
           </a:p>
@@ -2430,7 +2431,7 @@
           <a:p>
             <a:fld id="{69449AD0-FB2A-CD41-ADBD-7D5B8A2ACA45}" type="datetimeFigureOut">
               <a:rPr lang="en-US" smtClean="0"/>
-              <a:t>1/24/21</a:t>
+              <a:t>1/26/21</a:t>
             </a:fld>
             <a:endParaRPr lang="en-US"/>
           </a:p>
@@ -2718,7 +2719,7 @@
           <a:p>
             <a:fld id="{69449AD0-FB2A-CD41-ADBD-7D5B8A2ACA45}" type="datetimeFigureOut">
               <a:rPr lang="en-US" smtClean="0"/>
-              <a:t>1/24/21</a:t>
+              <a:t>1/26/21</a:t>
             </a:fld>
             <a:endParaRPr lang="en-US"/>
           </a:p>
@@ -2959,7 +2960,7 @@
           <a:p>
             <a:fld id="{69449AD0-FB2A-CD41-ADBD-7D5B8A2ACA45}" type="datetimeFigureOut">
               <a:rPr lang="en-US" smtClean="0"/>
-              <a:t>1/24/21</a:t>
+              <a:t>1/26/21</a:t>
             </a:fld>
             <a:endParaRPr lang="en-US"/>
           </a:p>
@@ -3439,7 +3440,408 @@
 </p:sld>
 </file>
 
+<file path=ppt/slides/slide10.xml><?xml version="1.0" encoding="utf-8"?>
+<p:sld xmlns:a="http://schemas.openxmlformats.org/drawingml/2006/main" xmlns:r="http://schemas.openxmlformats.org/officeDocument/2006/relationships" xmlns:p="http://schemas.openxmlformats.org/presentationml/2006/main">
+  <p:cSld>
+    <p:spTree>
+      <p:nvGrpSpPr>
+        <p:cNvPr id="1" name=""/>
+        <p:cNvGrpSpPr/>
+        <p:nvPr/>
+      </p:nvGrpSpPr>
+      <p:grpSpPr>
+        <a:xfrm>
+          <a:off x="0" y="0"/>
+          <a:ext cx="0" cy="0"/>
+          <a:chOff x="0" y="0"/>
+          <a:chExt cx="0" cy="0"/>
+        </a:xfrm>
+      </p:grpSpPr>
+      <p:sp>
+        <p:nvSpPr>
+          <p:cNvPr id="2" name="Title 1">
+            <a:extLst>
+              <a:ext uri="{FF2B5EF4-FFF2-40B4-BE49-F238E27FC236}">
+                <a16:creationId xmlns:a16="http://schemas.microsoft.com/office/drawing/2014/main" id="{FAA7B663-3AD7-AB45-BD31-668E4FA4901C}"/>
+              </a:ext>
+            </a:extLst>
+          </p:cNvPr>
+          <p:cNvSpPr>
+            <a:spLocks noGrp="1"/>
+          </p:cNvSpPr>
+          <p:nvPr>
+            <p:ph type="title"/>
+          </p:nvPr>
+        </p:nvSpPr>
+        <p:spPr/>
+        <p:txBody>
+          <a:bodyPr>
+            <a:normAutofit fontScale="90000"/>
+          </a:bodyPr>
+          <a:lstStyle/>
+          <a:p>
+            <a:r>
+              <a:rPr lang="en-US" dirty="0"/>
+              <a:t>The BIOE 210 Philosophy</a:t>
+            </a:r>
+          </a:p>
+        </p:txBody>
+      </p:sp>
+      <p:sp>
+        <p:nvSpPr>
+          <p:cNvPr id="3" name="Content Placeholder 2">
+            <a:extLst>
+              <a:ext uri="{FF2B5EF4-FFF2-40B4-BE49-F238E27FC236}">
+                <a16:creationId xmlns:a16="http://schemas.microsoft.com/office/drawing/2014/main" id="{17698AE2-898A-594D-9669-C7294C6ED66A}"/>
+              </a:ext>
+            </a:extLst>
+          </p:cNvPr>
+          <p:cNvSpPr>
+            <a:spLocks noGrp="1"/>
+          </p:cNvSpPr>
+          <p:nvPr>
+            <p:ph idx="1"/>
+          </p:nvPr>
+        </p:nvSpPr>
+        <p:spPr/>
+        <p:txBody>
+          <a:bodyPr/>
+          <a:lstStyle/>
+          <a:p>
+            <a:pPr marL="0" indent="0" algn="ctr">
+              <a:buNone/>
+            </a:pPr>
+            <a:endParaRPr lang="en-US" dirty="0"/>
+          </a:p>
+          <a:p>
+            <a:pPr marL="0" indent="0" algn="ctr">
+              <a:buNone/>
+            </a:pPr>
+            <a:r>
+              <a:rPr lang="en-US" i="1" dirty="0"/>
+              <a:t>“Everything should be made as simple as possible,</a:t>
+            </a:r>
+          </a:p>
+          <a:p>
+            <a:pPr marL="0" indent="0" algn="ctr">
+              <a:buNone/>
+            </a:pPr>
+            <a:r>
+              <a:rPr lang="en-US" i="1" dirty="0"/>
+              <a:t>but no simpler.”</a:t>
+            </a:r>
+          </a:p>
+          <a:p>
+            <a:pPr marL="0" indent="0" algn="ctr">
+              <a:buNone/>
+            </a:pPr>
+            <a:endParaRPr lang="en-US" dirty="0"/>
+          </a:p>
+          <a:p>
+            <a:pPr marL="0" indent="0">
+              <a:buNone/>
+            </a:pPr>
+            <a:r>
+              <a:rPr lang="en-US" sz="2400" dirty="0"/>
+              <a:t>1. The course is designed around tools that are useful to bioengineers.</a:t>
+            </a:r>
+            <a:br>
+              <a:rPr lang="en-US" sz="2400" dirty="0"/>
+            </a:br>
+            <a:endParaRPr lang="en-US" sz="2400" dirty="0"/>
+          </a:p>
+          <a:p>
+            <a:pPr marL="0" indent="0">
+              <a:buNone/>
+            </a:pPr>
+            <a:r>
+              <a:rPr lang="en-US" sz="2400" dirty="0"/>
+              <a:t>2. The course omits topics that are not essential </a:t>
+            </a:r>
+            <a:r>
+              <a:rPr lang="en-US" sz="2400" i="1" dirty="0"/>
+              <a:t>for these tools</a:t>
+            </a:r>
+            <a:r>
+              <a:rPr lang="en-US" sz="2400" dirty="0"/>
+              <a:t>.</a:t>
+            </a:r>
+            <a:br>
+              <a:rPr lang="en-US" sz="2400" dirty="0"/>
+            </a:br>
+            <a:endParaRPr lang="en-US" sz="2400" dirty="0"/>
+          </a:p>
+          <a:p>
+            <a:pPr marL="0" indent="0">
+              <a:buNone/>
+            </a:pPr>
+            <a:r>
+              <a:rPr lang="en-US" sz="2400" dirty="0"/>
+              <a:t>3. We favor </a:t>
+            </a:r>
+            <a:r>
+              <a:rPr lang="en-US" sz="2400" i="1" dirty="0"/>
+              <a:t>understanding</a:t>
+            </a:r>
+            <a:r>
+              <a:rPr lang="en-US" sz="2400" dirty="0"/>
+              <a:t> fewer topics over surveying many topics.</a:t>
+            </a:r>
+          </a:p>
+        </p:txBody>
+      </p:sp>
+    </p:spTree>
+    <p:extLst>
+      <p:ext uri="{BB962C8B-B14F-4D97-AF65-F5344CB8AC3E}">
+        <p14:creationId xmlns:p14="http://schemas.microsoft.com/office/powerpoint/2010/main" val="3122894786"/>
+      </p:ext>
+    </p:extLst>
+  </p:cSld>
+  <p:clrMapOvr>
+    <a:masterClrMapping/>
+  </p:clrMapOvr>
+  <p:timing>
+    <p:tnLst>
+      <p:par>
+        <p:cTn id="1" dur="indefinite" restart="never" nodeType="tmRoot">
+          <p:childTnLst>
+            <p:seq concurrent="1" nextAc="seek">
+              <p:cTn id="2" dur="indefinite" nodeType="mainSeq">
+                <p:childTnLst>
+                  <p:par>
+                    <p:cTn id="3" fill="hold">
+                      <p:stCondLst>
+                        <p:cond delay="indefinite"/>
+                      </p:stCondLst>
+                      <p:childTnLst>
+                        <p:par>
+                          <p:cTn id="4" fill="hold">
+                            <p:stCondLst>
+                              <p:cond delay="0"/>
+                            </p:stCondLst>
+                            <p:childTnLst>
+                              <p:par>
+                                <p:cTn id="5" presetID="1" presetClass="entr" presetSubtype="0" fill="hold" nodeType="clickEffect">
+                                  <p:stCondLst>
+                                    <p:cond delay="0"/>
+                                  </p:stCondLst>
+                                  <p:childTnLst>
+                                    <p:set>
+                                      <p:cBhvr>
+                                        <p:cTn id="6" dur="1" fill="hold">
+                                          <p:stCondLst>
+                                            <p:cond delay="0"/>
+                                          </p:stCondLst>
+                                        </p:cTn>
+                                        <p:tgtEl>
+                                          <p:spTgt spid="3">
+                                            <p:txEl>
+                                              <p:pRg st="4" end="4"/>
+                                            </p:txEl>
+                                          </p:spTgt>
+                                        </p:tgtEl>
+                                        <p:attrNameLst>
+                                          <p:attrName>style.visibility</p:attrName>
+                                        </p:attrNameLst>
+                                      </p:cBhvr>
+                                      <p:to>
+                                        <p:strVal val="visible"/>
+                                      </p:to>
+                                    </p:set>
+                                  </p:childTnLst>
+                                </p:cTn>
+                              </p:par>
+                              <p:par>
+                                <p:cTn id="7" presetID="1" presetClass="entr" presetSubtype="0" fill="hold" nodeType="withEffect">
+                                  <p:stCondLst>
+                                    <p:cond delay="0"/>
+                                  </p:stCondLst>
+                                  <p:childTnLst>
+                                    <p:set>
+                                      <p:cBhvr>
+                                        <p:cTn id="8" dur="1" fill="hold">
+                                          <p:stCondLst>
+                                            <p:cond delay="0"/>
+                                          </p:stCondLst>
+                                        </p:cTn>
+                                        <p:tgtEl>
+                                          <p:spTgt spid="3">
+                                            <p:txEl>
+                                              <p:pRg st="5" end="5"/>
+                                            </p:txEl>
+                                          </p:spTgt>
+                                        </p:tgtEl>
+                                        <p:attrNameLst>
+                                          <p:attrName>style.visibility</p:attrName>
+                                        </p:attrNameLst>
+                                      </p:cBhvr>
+                                      <p:to>
+                                        <p:strVal val="visible"/>
+                                      </p:to>
+                                    </p:set>
+                                  </p:childTnLst>
+                                </p:cTn>
+                              </p:par>
+                              <p:par>
+                                <p:cTn id="9" presetID="1" presetClass="entr" presetSubtype="0" fill="hold" nodeType="withEffect">
+                                  <p:stCondLst>
+                                    <p:cond delay="0"/>
+                                  </p:stCondLst>
+                                  <p:childTnLst>
+                                    <p:set>
+                                      <p:cBhvr>
+                                        <p:cTn id="10" dur="1" fill="hold">
+                                          <p:stCondLst>
+                                            <p:cond delay="0"/>
+                                          </p:stCondLst>
+                                        </p:cTn>
+                                        <p:tgtEl>
+                                          <p:spTgt spid="3">
+                                            <p:txEl>
+                                              <p:pRg st="6" end="6"/>
+                                            </p:txEl>
+                                          </p:spTgt>
+                                        </p:tgtEl>
+                                        <p:attrNameLst>
+                                          <p:attrName>style.visibility</p:attrName>
+                                        </p:attrNameLst>
+                                      </p:cBhvr>
+                                      <p:to>
+                                        <p:strVal val="visible"/>
+                                      </p:to>
+                                    </p:set>
+                                  </p:childTnLst>
+                                </p:cTn>
+                              </p:par>
+                            </p:childTnLst>
+                          </p:cTn>
+                        </p:par>
+                      </p:childTnLst>
+                    </p:cTn>
+                  </p:par>
+                </p:childTnLst>
+              </p:cTn>
+              <p:prevCondLst>
+                <p:cond evt="onPrev" delay="0">
+                  <p:tgtEl>
+                    <p:sldTgt/>
+                  </p:tgtEl>
+                </p:cond>
+              </p:prevCondLst>
+              <p:nextCondLst>
+                <p:cond evt="onNext" delay="0">
+                  <p:tgtEl>
+                    <p:sldTgt/>
+                  </p:tgtEl>
+                </p:cond>
+              </p:nextCondLst>
+            </p:seq>
+          </p:childTnLst>
+        </p:cTn>
+      </p:par>
+    </p:tnLst>
+  </p:timing>
+</p:sld>
+</file>
+
 <file path=ppt/slides/slide2.xml><?xml version="1.0" encoding="utf-8"?>
+<p:sld xmlns:a="http://schemas.openxmlformats.org/drawingml/2006/main" xmlns:r="http://schemas.openxmlformats.org/officeDocument/2006/relationships" xmlns:p="http://schemas.openxmlformats.org/presentationml/2006/main">
+  <p:cSld>
+    <p:spTree>
+      <p:nvGrpSpPr>
+        <p:cNvPr id="1" name=""/>
+        <p:cNvGrpSpPr/>
+        <p:nvPr/>
+      </p:nvGrpSpPr>
+      <p:grpSpPr>
+        <a:xfrm>
+          <a:off x="0" y="0"/>
+          <a:ext cx="0" cy="0"/>
+          <a:chOff x="0" y="0"/>
+          <a:chExt cx="0" cy="0"/>
+        </a:xfrm>
+      </p:grpSpPr>
+      <p:pic>
+        <p:nvPicPr>
+          <p:cNvPr id="4" name="Content Placeholder 3">
+            <a:extLst>
+              <a:ext uri="{FF2B5EF4-FFF2-40B4-BE49-F238E27FC236}">
+                <a16:creationId xmlns:a16="http://schemas.microsoft.com/office/drawing/2014/main" id="{846FCEC4-AD97-C14C-AA33-1DE0D6A45E39}"/>
+              </a:ext>
+            </a:extLst>
+          </p:cNvPr>
+          <p:cNvPicPr>
+            <a:picLocks noGrp="1" noChangeAspect="1"/>
+          </p:cNvPicPr>
+          <p:nvPr>
+            <p:ph idx="1"/>
+          </p:nvPr>
+        </p:nvPicPr>
+        <p:blipFill>
+          <a:blip r:embed="rId2"/>
+          <a:stretch>
+            <a:fillRect/>
+          </a:stretch>
+        </p:blipFill>
+        <p:spPr>
+          <a:xfrm>
+            <a:off x="4381500" y="765509"/>
+            <a:ext cx="3429000" cy="4572000"/>
+          </a:xfrm>
+        </p:spPr>
+      </p:pic>
+      <p:sp>
+        <p:nvSpPr>
+          <p:cNvPr id="5" name="TextBox 4">
+            <a:extLst>
+              <a:ext uri="{FF2B5EF4-FFF2-40B4-BE49-F238E27FC236}">
+                <a16:creationId xmlns:a16="http://schemas.microsoft.com/office/drawing/2014/main" id="{21DCD27C-1DD4-354A-93C5-1D856101B210}"/>
+              </a:ext>
+            </a:extLst>
+          </p:cNvPr>
+          <p:cNvSpPr txBox="1"/>
+          <p:nvPr/>
+        </p:nvSpPr>
+        <p:spPr>
+          <a:xfrm>
+            <a:off x="3497178" y="5676992"/>
+            <a:ext cx="5197643" cy="830997"/>
+          </a:xfrm>
+          <a:prstGeom prst="rect">
+            <a:avLst/>
+          </a:prstGeom>
+          <a:noFill/>
+        </p:spPr>
+        <p:txBody>
+          <a:bodyPr wrap="square" rtlCol="0">
+            <a:spAutoFit/>
+          </a:bodyPr>
+          <a:lstStyle/>
+          <a:p>
+            <a:pPr algn="ctr"/>
+            <a:r>
+              <a:rPr lang="en-US" sz="2400" dirty="0">
+                <a:latin typeface="Helvetica" pitchFamily="2" charset="0"/>
+              </a:rPr>
+              <a:t>Muhammad ibn Musa al-Khwarizmi c. 780 - 850</a:t>
+            </a:r>
+          </a:p>
+        </p:txBody>
+      </p:sp>
+    </p:spTree>
+    <p:extLst>
+      <p:ext uri="{BB962C8B-B14F-4D97-AF65-F5344CB8AC3E}">
+        <p14:creationId xmlns:p14="http://schemas.microsoft.com/office/powerpoint/2010/main" val="3715449372"/>
+      </p:ext>
+    </p:extLst>
+  </p:cSld>
+  <p:clrMapOvr>
+    <a:masterClrMapping/>
+  </p:clrMapOvr>
+</p:sld>
+</file>
+
+<file path=ppt/slides/slide3.xml><?xml version="1.0" encoding="utf-8"?>
 <p:sld xmlns:a="http://schemas.openxmlformats.org/drawingml/2006/main" xmlns:r="http://schemas.openxmlformats.org/officeDocument/2006/relationships" xmlns:p="http://schemas.openxmlformats.org/presentationml/2006/main">
   <p:cSld>
     <p:spTree>
@@ -3716,7 +4118,7 @@
 </p:sld>
 </file>
 
-<file path=ppt/slides/slide3.xml><?xml version="1.0" encoding="utf-8"?>
+<file path=ppt/slides/slide4.xml><?xml version="1.0" encoding="utf-8"?>
 <p:sld xmlns:a="http://schemas.openxmlformats.org/drawingml/2006/main" xmlns:r="http://schemas.openxmlformats.org/officeDocument/2006/relationships" xmlns:p="http://schemas.openxmlformats.org/presentationml/2006/main">
   <p:cSld>
     <p:spTree>
@@ -4058,7 +4460,7 @@
 </p:sld>
 </file>
 
-<file path=ppt/slides/slide4.xml><?xml version="1.0" encoding="utf-8"?>
+<file path=ppt/slides/slide5.xml><?xml version="1.0" encoding="utf-8"?>
 <p:sld xmlns:a="http://schemas.openxmlformats.org/drawingml/2006/main" xmlns:r="http://schemas.openxmlformats.org/officeDocument/2006/relationships" xmlns:p="http://schemas.openxmlformats.org/presentationml/2006/main">
   <p:cSld>
     <p:spTree>
@@ -4371,7 +4773,7 @@
 </p:sld>
 </file>
 
-<file path=ppt/slides/slide5.xml><?xml version="1.0" encoding="utf-8"?>
+<file path=ppt/slides/slide6.xml><?xml version="1.0" encoding="utf-8"?>
 <p:sld xmlns:a="http://schemas.openxmlformats.org/drawingml/2006/main" xmlns:r="http://schemas.openxmlformats.org/officeDocument/2006/relationships" xmlns:p="http://schemas.openxmlformats.org/presentationml/2006/main">
   <p:cSld>
     <p:spTree>
@@ -4529,7 +4931,7 @@
 </p:sld>
 </file>
 
-<file path=ppt/slides/slide6.xml><?xml version="1.0" encoding="utf-8"?>
+<file path=ppt/slides/slide7.xml><?xml version="1.0" encoding="utf-8"?>
 <p:sld xmlns:a="http://schemas.openxmlformats.org/drawingml/2006/main" xmlns:r="http://schemas.openxmlformats.org/officeDocument/2006/relationships" xmlns:p="http://schemas.openxmlformats.org/presentationml/2006/main">
   <p:cSld>
     <p:spTree>
@@ -5044,7 +5446,7 @@
 </p:sld>
 </file>
 
-<file path=ppt/slides/slide7.xml><?xml version="1.0" encoding="utf-8"?>
+<file path=ppt/slides/slide8.xml><?xml version="1.0" encoding="utf-8"?>
 <p:sld xmlns:a="http://schemas.openxmlformats.org/drawingml/2006/main" xmlns:r="http://schemas.openxmlformats.org/officeDocument/2006/relationships" xmlns:p="http://schemas.openxmlformats.org/presentationml/2006/main">
   <p:cSld>
     <p:spTree>
@@ -5659,7 +6061,7 @@
 </p:sld>
 </file>
 
-<file path=ppt/slides/slide8.xml><?xml version="1.0" encoding="utf-8"?>
+<file path=ppt/slides/slide9.xml><?xml version="1.0" encoding="utf-8"?>
 <p:sld xmlns:a="http://schemas.openxmlformats.org/drawingml/2006/main" xmlns:r="http://schemas.openxmlformats.org/officeDocument/2006/relationships" xmlns:p="http://schemas.openxmlformats.org/presentationml/2006/main">
   <p:cSld>
     <p:spTree>
@@ -6817,310 +7219,6 @@
 </p:sld>
 </file>
 
-<file path=ppt/slides/slide9.xml><?xml version="1.0" encoding="utf-8"?>
-<p:sld xmlns:a="http://schemas.openxmlformats.org/drawingml/2006/main" xmlns:r="http://schemas.openxmlformats.org/officeDocument/2006/relationships" xmlns:p="http://schemas.openxmlformats.org/presentationml/2006/main">
-  <p:cSld>
-    <p:spTree>
-      <p:nvGrpSpPr>
-        <p:cNvPr id="1" name=""/>
-        <p:cNvGrpSpPr/>
-        <p:nvPr/>
-      </p:nvGrpSpPr>
-      <p:grpSpPr>
-        <a:xfrm>
-          <a:off x="0" y="0"/>
-          <a:ext cx="0" cy="0"/>
-          <a:chOff x="0" y="0"/>
-          <a:chExt cx="0" cy="0"/>
-        </a:xfrm>
-      </p:grpSpPr>
-      <p:sp>
-        <p:nvSpPr>
-          <p:cNvPr id="2" name="Title 1">
-            <a:extLst>
-              <a:ext uri="{FF2B5EF4-FFF2-40B4-BE49-F238E27FC236}">
-                <a16:creationId xmlns:a16="http://schemas.microsoft.com/office/drawing/2014/main" id="{FAA7B663-3AD7-AB45-BD31-668E4FA4901C}"/>
-              </a:ext>
-            </a:extLst>
-          </p:cNvPr>
-          <p:cNvSpPr>
-            <a:spLocks noGrp="1"/>
-          </p:cNvSpPr>
-          <p:nvPr>
-            <p:ph type="title"/>
-          </p:nvPr>
-        </p:nvSpPr>
-        <p:spPr/>
-        <p:txBody>
-          <a:bodyPr>
-            <a:normAutofit fontScale="90000"/>
-          </a:bodyPr>
-          <a:lstStyle/>
-          <a:p>
-            <a:r>
-              <a:rPr lang="en-US" dirty="0"/>
-              <a:t>The BIOE 210 Philosophy</a:t>
-            </a:r>
-          </a:p>
-        </p:txBody>
-      </p:sp>
-      <p:sp>
-        <p:nvSpPr>
-          <p:cNvPr id="3" name="Content Placeholder 2">
-            <a:extLst>
-              <a:ext uri="{FF2B5EF4-FFF2-40B4-BE49-F238E27FC236}">
-                <a16:creationId xmlns:a16="http://schemas.microsoft.com/office/drawing/2014/main" id="{17698AE2-898A-594D-9669-C7294C6ED66A}"/>
-              </a:ext>
-            </a:extLst>
-          </p:cNvPr>
-          <p:cNvSpPr>
-            <a:spLocks noGrp="1"/>
-          </p:cNvSpPr>
-          <p:nvPr>
-            <p:ph idx="1"/>
-          </p:nvPr>
-        </p:nvSpPr>
-        <p:spPr/>
-        <p:txBody>
-          <a:bodyPr/>
-          <a:lstStyle/>
-          <a:p>
-            <a:pPr marL="0" indent="0" algn="ctr">
-              <a:buNone/>
-            </a:pPr>
-            <a:endParaRPr lang="en-US" dirty="0"/>
-          </a:p>
-          <a:p>
-            <a:pPr marL="0" indent="0" algn="ctr">
-              <a:buNone/>
-            </a:pPr>
-            <a:r>
-              <a:rPr lang="en-US" i="1" dirty="0"/>
-              <a:t>“Everything should be made as simple as possible,</a:t>
-            </a:r>
-          </a:p>
-          <a:p>
-            <a:pPr marL="0" indent="0" algn="ctr">
-              <a:buNone/>
-            </a:pPr>
-            <a:r>
-              <a:rPr lang="en-US" i="1" dirty="0"/>
-              <a:t>but no simpler.”</a:t>
-            </a:r>
-          </a:p>
-          <a:p>
-            <a:pPr marL="0" indent="0" algn="ctr">
-              <a:buNone/>
-            </a:pPr>
-            <a:endParaRPr lang="en-US" dirty="0"/>
-          </a:p>
-          <a:p>
-            <a:pPr marL="0" indent="0">
-              <a:buNone/>
-            </a:pPr>
-            <a:r>
-              <a:rPr lang="en-US" sz="2400" dirty="0"/>
-              <a:t>1. The course is designed around tools that are useful to bioengineers.</a:t>
-            </a:r>
-            <a:br>
-              <a:rPr lang="en-US" sz="2400" dirty="0"/>
-            </a:br>
-            <a:endParaRPr lang="en-US" sz="2400" dirty="0"/>
-          </a:p>
-          <a:p>
-            <a:pPr marL="0" indent="0">
-              <a:buNone/>
-            </a:pPr>
-            <a:r>
-              <a:rPr lang="en-US" sz="2400" dirty="0"/>
-              <a:t>2. The course omits topics that are not essential </a:t>
-            </a:r>
-            <a:r>
-              <a:rPr lang="en-US" sz="2400" i="1" dirty="0"/>
-              <a:t>for these tools</a:t>
-            </a:r>
-            <a:r>
-              <a:rPr lang="en-US" sz="2400" dirty="0"/>
-              <a:t>.</a:t>
-            </a:r>
-            <a:br>
-              <a:rPr lang="en-US" sz="2400" dirty="0"/>
-            </a:br>
-            <a:endParaRPr lang="en-US" sz="2400" dirty="0"/>
-          </a:p>
-          <a:p>
-            <a:pPr marL="0" indent="0">
-              <a:buNone/>
-            </a:pPr>
-            <a:r>
-              <a:rPr lang="en-US" sz="2400" dirty="0"/>
-              <a:t>3. We favor </a:t>
-            </a:r>
-            <a:r>
-              <a:rPr lang="en-US" sz="2400" i="1" dirty="0"/>
-              <a:t>understanding</a:t>
-            </a:r>
-            <a:r>
-              <a:rPr lang="en-US" sz="2400" dirty="0"/>
-              <a:t> fewer topics over surveying many topics.</a:t>
-            </a:r>
-          </a:p>
-        </p:txBody>
-      </p:sp>
-    </p:spTree>
-    <p:extLst>
-      <p:ext uri="{BB962C8B-B14F-4D97-AF65-F5344CB8AC3E}">
-        <p14:creationId xmlns:p14="http://schemas.microsoft.com/office/powerpoint/2010/main" val="3122894786"/>
-      </p:ext>
-    </p:extLst>
-  </p:cSld>
-  <p:clrMapOvr>
-    <a:masterClrMapping/>
-  </p:clrMapOvr>
-  <p:timing>
-    <p:tnLst>
-      <p:par>
-        <p:cTn id="1" dur="indefinite" restart="never" nodeType="tmRoot">
-          <p:childTnLst>
-            <p:seq concurrent="1" nextAc="seek">
-              <p:cTn id="2" dur="indefinite" nodeType="mainSeq">
-                <p:childTnLst>
-                  <p:par>
-                    <p:cTn id="3" fill="hold">
-                      <p:stCondLst>
-                        <p:cond delay="indefinite"/>
-                      </p:stCondLst>
-                      <p:childTnLst>
-                        <p:par>
-                          <p:cTn id="4" fill="hold">
-                            <p:stCondLst>
-                              <p:cond delay="0"/>
-                            </p:stCondLst>
-                            <p:childTnLst>
-                              <p:par>
-                                <p:cTn id="5" presetID="1" presetClass="entr" presetSubtype="0" fill="hold" nodeType="clickEffect">
-                                  <p:stCondLst>
-                                    <p:cond delay="0"/>
-                                  </p:stCondLst>
-                                  <p:childTnLst>
-                                    <p:set>
-                                      <p:cBhvr>
-                                        <p:cTn id="6" dur="1" fill="hold">
-                                          <p:stCondLst>
-                                            <p:cond delay="0"/>
-                                          </p:stCondLst>
-                                        </p:cTn>
-                                        <p:tgtEl>
-                                          <p:spTgt spid="3">
-                                            <p:txEl>
-                                              <p:pRg st="4" end="4"/>
-                                            </p:txEl>
-                                          </p:spTgt>
-                                        </p:tgtEl>
-                                        <p:attrNameLst>
-                                          <p:attrName>style.visibility</p:attrName>
-                                        </p:attrNameLst>
-                                      </p:cBhvr>
-                                      <p:to>
-                                        <p:strVal val="visible"/>
-                                      </p:to>
-                                    </p:set>
-                                  </p:childTnLst>
-                                </p:cTn>
-                              </p:par>
-                              <p:par>
-                                <p:cTn id="7" presetID="1" presetClass="entr" presetSubtype="0" fill="hold" nodeType="withEffect">
-                                  <p:stCondLst>
-                                    <p:cond delay="0"/>
-                                  </p:stCondLst>
-                                  <p:childTnLst>
-                                    <p:set>
-                                      <p:cBhvr>
-                                        <p:cTn id="8" dur="1" fill="hold">
-                                          <p:stCondLst>
-                                            <p:cond delay="0"/>
-                                          </p:stCondLst>
-                                        </p:cTn>
-                                        <p:tgtEl>
-                                          <p:spTgt spid="3">
-                                            <p:txEl>
-                                              <p:pRg st="5" end="5"/>
-                                            </p:txEl>
-                                          </p:spTgt>
-                                        </p:tgtEl>
-                                        <p:attrNameLst>
-                                          <p:attrName>style.visibility</p:attrName>
-                                        </p:attrNameLst>
-                                      </p:cBhvr>
-                                      <p:to>
-                                        <p:strVal val="visible"/>
-                                      </p:to>
-                                    </p:set>
-                                  </p:childTnLst>
-                                </p:cTn>
-                              </p:par>
-                              <p:par>
-                                <p:cTn id="9" presetID="1" presetClass="entr" presetSubtype="0" fill="hold" nodeType="withEffect">
-                                  <p:stCondLst>
-                                    <p:cond delay="0"/>
-                                  </p:stCondLst>
-                                  <p:childTnLst>
-                                    <p:set>
-                                      <p:cBhvr>
-                                        <p:cTn id="10" dur="1" fill="hold">
-                                          <p:stCondLst>
-                                            <p:cond delay="0"/>
-                                          </p:stCondLst>
-                                        </p:cTn>
-                                        <p:tgtEl>
-                                          <p:spTgt spid="3">
-                                            <p:txEl>
-                                              <p:pRg st="6" end="6"/>
-                                            </p:txEl>
-                                          </p:spTgt>
-                                        </p:tgtEl>
-                                        <p:attrNameLst>
-                                          <p:attrName>style.visibility</p:attrName>
-                                        </p:attrNameLst>
-                                      </p:cBhvr>
-                                      <p:to>
-                                        <p:strVal val="visible"/>
-                                      </p:to>
-                                    </p:set>
-                                  </p:childTnLst>
-                                </p:cTn>
-                              </p:par>
-                            </p:childTnLst>
-                          </p:cTn>
-                        </p:par>
-                      </p:childTnLst>
-                    </p:cTn>
-                  </p:par>
-                </p:childTnLst>
-              </p:cTn>
-              <p:prevCondLst>
-                <p:cond evt="onPrev" delay="0">
-                  <p:tgtEl>
-                    <p:sldTgt/>
-                  </p:tgtEl>
-                </p:cond>
-              </p:prevCondLst>
-              <p:nextCondLst>
-                <p:cond evt="onNext" delay="0">
-                  <p:tgtEl>
-                    <p:sldTgt/>
-                  </p:tgtEl>
-                </p:cond>
-              </p:nextCondLst>
-            </p:seq>
-          </p:childTnLst>
-        </p:cTn>
-      </p:par>
-    </p:tnLst>
-  </p:timing>
-</p:sld>
-</file>
-
 <file path=ppt/theme/theme1.xml><?xml version="1.0" encoding="utf-8"?>
 <a:theme xmlns:a="http://schemas.openxmlformats.org/drawingml/2006/main" name="Office Theme">
   <a:themeElements>
